--- a/state diagram/state diagram.pptx
+++ b/state diagram/state diagram.pptx
@@ -192,7 +192,7 @@
           <a:p>
             <a:fld id="{19FCD07D-E5B3-1945-AB77-D2534CD6706E}" type="datetimeFigureOut">
               <a:rPr lang="en-US" smtClean="0"/>
-              <a:t>4/19/14</a:t>
+              <a:t>4/20/14</a:t>
             </a:fld>
             <a:endParaRPr lang="en-US"/>
           </a:p>
@@ -725,7 +725,7 @@
           <a:p>
             <a:fld id="{4071D07B-30F7-8143-A89F-2BAC1029E563}" type="datetimeFigureOut">
               <a:rPr lang="en-US" smtClean="0"/>
-              <a:t>4/19/14</a:t>
+              <a:t>4/20/14</a:t>
             </a:fld>
             <a:endParaRPr lang="en-US"/>
           </a:p>
@@ -895,7 +895,7 @@
           <a:p>
             <a:fld id="{4071D07B-30F7-8143-A89F-2BAC1029E563}" type="datetimeFigureOut">
               <a:rPr lang="en-US" smtClean="0"/>
-              <a:t>4/19/14</a:t>
+              <a:t>4/20/14</a:t>
             </a:fld>
             <a:endParaRPr lang="en-US"/>
           </a:p>
@@ -1075,7 +1075,7 @@
           <a:p>
             <a:fld id="{4071D07B-30F7-8143-A89F-2BAC1029E563}" type="datetimeFigureOut">
               <a:rPr lang="en-US" smtClean="0"/>
-              <a:t>4/19/14</a:t>
+              <a:t>4/20/14</a:t>
             </a:fld>
             <a:endParaRPr lang="en-US"/>
           </a:p>
@@ -1245,7 +1245,7 @@
           <a:p>
             <a:fld id="{4071D07B-30F7-8143-A89F-2BAC1029E563}" type="datetimeFigureOut">
               <a:rPr lang="en-US" smtClean="0"/>
-              <a:t>4/19/14</a:t>
+              <a:t>4/20/14</a:t>
             </a:fld>
             <a:endParaRPr lang="en-US"/>
           </a:p>
@@ -1491,7 +1491,7 @@
           <a:p>
             <a:fld id="{4071D07B-30F7-8143-A89F-2BAC1029E563}" type="datetimeFigureOut">
               <a:rPr lang="en-US" smtClean="0"/>
-              <a:t>4/19/14</a:t>
+              <a:t>4/20/14</a:t>
             </a:fld>
             <a:endParaRPr lang="en-US"/>
           </a:p>
@@ -1779,7 +1779,7 @@
           <a:p>
             <a:fld id="{4071D07B-30F7-8143-A89F-2BAC1029E563}" type="datetimeFigureOut">
               <a:rPr lang="en-US" smtClean="0"/>
-              <a:t>4/19/14</a:t>
+              <a:t>4/20/14</a:t>
             </a:fld>
             <a:endParaRPr lang="en-US"/>
           </a:p>
@@ -2206,7 +2206,7 @@
           <a:p>
             <a:fld id="{4071D07B-30F7-8143-A89F-2BAC1029E563}" type="datetimeFigureOut">
               <a:rPr lang="en-US" smtClean="0"/>
-              <a:t>4/19/14</a:t>
+              <a:t>4/20/14</a:t>
             </a:fld>
             <a:endParaRPr lang="en-US"/>
           </a:p>
@@ -2324,7 +2324,7 @@
           <a:p>
             <a:fld id="{4071D07B-30F7-8143-A89F-2BAC1029E563}" type="datetimeFigureOut">
               <a:rPr lang="en-US" smtClean="0"/>
-              <a:t>4/19/14</a:t>
+              <a:t>4/20/14</a:t>
             </a:fld>
             <a:endParaRPr lang="en-US"/>
           </a:p>
@@ -2419,7 +2419,7 @@
           <a:p>
             <a:fld id="{4071D07B-30F7-8143-A89F-2BAC1029E563}" type="datetimeFigureOut">
               <a:rPr lang="en-US" smtClean="0"/>
-              <a:t>4/19/14</a:t>
+              <a:t>4/20/14</a:t>
             </a:fld>
             <a:endParaRPr lang="en-US"/>
           </a:p>
@@ -2696,7 +2696,7 @@
           <a:p>
             <a:fld id="{4071D07B-30F7-8143-A89F-2BAC1029E563}" type="datetimeFigureOut">
               <a:rPr lang="en-US" smtClean="0"/>
-              <a:t>4/19/14</a:t>
+              <a:t>4/20/14</a:t>
             </a:fld>
             <a:endParaRPr lang="en-US"/>
           </a:p>
@@ -2949,7 +2949,7 @@
           <a:p>
             <a:fld id="{4071D07B-30F7-8143-A89F-2BAC1029E563}" type="datetimeFigureOut">
               <a:rPr lang="en-US" smtClean="0"/>
-              <a:t>4/19/14</a:t>
+              <a:t>4/20/14</a:t>
             </a:fld>
             <a:endParaRPr lang="en-US"/>
           </a:p>
@@ -3162,7 +3162,7 @@
           <a:p>
             <a:fld id="{4071D07B-30F7-8143-A89F-2BAC1029E563}" type="datetimeFigureOut">
               <a:rPr lang="en-US" smtClean="0"/>
-              <a:t>4/19/14</a:t>
+              <a:t>4/20/14</a:t>
             </a:fld>
             <a:endParaRPr lang="en-US"/>
           </a:p>
@@ -3545,7 +3545,7 @@
         </p:nvSpPr>
         <p:spPr>
           <a:xfrm>
-            <a:off x="3008442" y="1644744"/>
+            <a:off x="2830202" y="1644744"/>
             <a:ext cx="743347" cy="669857"/>
           </a:xfrm>
           <a:prstGeom prst="ellipse">
@@ -3583,11 +3583,6 @@
               </a:rPr>
               <a:t>1</a:t>
             </a:r>
-            <a:endParaRPr lang="en-US" sz="1900" dirty="0">
-              <a:solidFill>
-                <a:schemeClr val="tx1"/>
-              </a:solidFill>
-            </a:endParaRPr>
           </a:p>
         </p:txBody>
       </p:sp>
@@ -3637,11 +3632,6 @@
               </a:rPr>
               <a:t>0</a:t>
             </a:r>
-            <a:endParaRPr lang="en-US" sz="1900" dirty="0">
-              <a:solidFill>
-                <a:schemeClr val="tx1"/>
-              </a:solidFill>
-            </a:endParaRPr>
           </a:p>
         </p:txBody>
       </p:sp>
@@ -3653,7 +3643,7 @@
         </p:nvSpPr>
         <p:spPr>
           <a:xfrm>
-            <a:off x="3008442" y="3648352"/>
+            <a:off x="2830202" y="3431928"/>
             <a:ext cx="743347" cy="669857"/>
           </a:xfrm>
           <a:prstGeom prst="ellipse">
@@ -3691,11 +3681,6 @@
               </a:rPr>
               <a:t>5</a:t>
             </a:r>
-            <a:endParaRPr lang="en-US" sz="1900" dirty="0">
-              <a:solidFill>
-                <a:schemeClr val="tx1"/>
-              </a:solidFill>
-            </a:endParaRPr>
           </a:p>
         </p:txBody>
       </p:sp>
@@ -3707,7 +3692,7 @@
         </p:nvSpPr>
         <p:spPr>
           <a:xfrm>
-            <a:off x="3008442" y="2646548"/>
+            <a:off x="2830202" y="2538336"/>
             <a:ext cx="743347" cy="669857"/>
           </a:xfrm>
           <a:prstGeom prst="ellipse">
@@ -3745,11 +3730,6 @@
               </a:rPr>
               <a:t>3</a:t>
             </a:r>
-            <a:endParaRPr lang="en-US" sz="1900" dirty="0">
-              <a:solidFill>
-                <a:schemeClr val="tx1"/>
-              </a:solidFill>
-            </a:endParaRPr>
           </a:p>
         </p:txBody>
       </p:sp>
@@ -3761,7 +3741,7 @@
         </p:nvSpPr>
         <p:spPr>
           <a:xfrm>
-            <a:off x="5713191" y="1638394"/>
+            <a:off x="5447736" y="1638394"/>
             <a:ext cx="743347" cy="669857"/>
           </a:xfrm>
           <a:prstGeom prst="ellipse">
@@ -3799,11 +3779,6 @@
               </a:rPr>
               <a:t>2</a:t>
             </a:r>
-            <a:endParaRPr lang="en-US" sz="1900" dirty="0">
-              <a:solidFill>
-                <a:schemeClr val="tx1"/>
-              </a:solidFill>
-            </a:endParaRPr>
           </a:p>
         </p:txBody>
       </p:sp>
@@ -3815,7 +3790,7 @@
         </p:nvSpPr>
         <p:spPr>
           <a:xfrm>
-            <a:off x="1321104" y="1821561"/>
+            <a:off x="1321104" y="1563093"/>
             <a:ext cx="1002688" cy="415365"/>
           </a:xfrm>
           <a:prstGeom prst="rect">
@@ -3844,7 +3819,7 @@
         </p:nvSpPr>
         <p:spPr>
           <a:xfrm>
-            <a:off x="4689969" y="1770776"/>
+            <a:off x="4487156" y="1564308"/>
             <a:ext cx="618084" cy="415365"/>
           </a:xfrm>
           <a:prstGeom prst="rect">
@@ -3873,7 +3848,7 @@
         </p:nvSpPr>
         <p:spPr>
           <a:xfrm>
-            <a:off x="3008442" y="4650156"/>
+            <a:off x="2830202" y="4325520"/>
             <a:ext cx="743347" cy="669857"/>
           </a:xfrm>
           <a:prstGeom prst="ellipse">
@@ -3911,11 +3886,6 @@
               </a:rPr>
               <a:t>6</a:t>
             </a:r>
-            <a:endParaRPr lang="en-US" sz="1900" dirty="0">
-              <a:solidFill>
-                <a:schemeClr val="tx1"/>
-              </a:solidFill>
-            </a:endParaRPr>
           </a:p>
         </p:txBody>
       </p:sp>
@@ -3927,7 +3897,7 @@
         </p:nvSpPr>
         <p:spPr>
           <a:xfrm>
-            <a:off x="3008442" y="5651960"/>
+            <a:off x="2830202" y="5219112"/>
             <a:ext cx="743347" cy="669857"/>
           </a:xfrm>
           <a:prstGeom prst="ellipse">
@@ -3965,11 +3935,6 @@
               </a:rPr>
               <a:t>8</a:t>
             </a:r>
-            <a:endParaRPr lang="en-US" sz="1900" dirty="0">
-              <a:solidFill>
-                <a:schemeClr val="tx1"/>
-              </a:solidFill>
-            </a:endParaRPr>
           </a:p>
         </p:txBody>
       </p:sp>
@@ -3981,7 +3946,7 @@
         </p:nvSpPr>
         <p:spPr>
           <a:xfrm>
-            <a:off x="3008442" y="7655568"/>
+            <a:off x="2830202" y="7006296"/>
             <a:ext cx="743347" cy="669857"/>
           </a:xfrm>
           <a:prstGeom prst="ellipse">
@@ -4035,7 +4000,7 @@
         </p:nvSpPr>
         <p:spPr>
           <a:xfrm>
-            <a:off x="3008442" y="8657372"/>
+            <a:off x="2830202" y="7899886"/>
             <a:ext cx="743347" cy="669857"/>
           </a:xfrm>
           <a:prstGeom prst="ellipse">
@@ -4089,7 +4054,7 @@
         </p:nvSpPr>
         <p:spPr>
           <a:xfrm>
-            <a:off x="3008442" y="12517526"/>
+            <a:off x="2830202" y="12517526"/>
             <a:ext cx="743347" cy="669857"/>
           </a:xfrm>
           <a:prstGeom prst="ellipse">
@@ -4143,7 +4108,7 @@
         </p:nvSpPr>
         <p:spPr>
           <a:xfrm>
-            <a:off x="5713191" y="3047798"/>
+            <a:off x="5447736" y="2538336"/>
             <a:ext cx="743347" cy="669857"/>
           </a:xfrm>
           <a:prstGeom prst="ellipse">
@@ -4174,12 +4139,12 @@
           <a:p>
             <a:pPr algn="ctr"/>
             <a:r>
-              <a:rPr lang="en-US" sz="1900" dirty="0">
+              <a:rPr lang="en-US" sz="1900" dirty="0" smtClean="0">
                 <a:solidFill>
                   <a:schemeClr val="tx1"/>
                 </a:solidFill>
               </a:rPr>
-              <a:t>0</a:t>
+              <a:t>4</a:t>
             </a:r>
             <a:endParaRPr lang="en-US" sz="1900" dirty="0">
               <a:solidFill>
@@ -4197,7 +4162,7 @@
         </p:nvSpPr>
         <p:spPr>
           <a:xfrm>
-            <a:off x="3008442" y="6653764"/>
+            <a:off x="2830202" y="6112704"/>
             <a:ext cx="743347" cy="669857"/>
           </a:xfrm>
           <a:prstGeom prst="ellipse">
@@ -4251,7 +4216,7 @@
         </p:nvSpPr>
         <p:spPr>
           <a:xfrm>
-            <a:off x="3008442" y="10109485"/>
+            <a:off x="2830202" y="9129209"/>
             <a:ext cx="743347" cy="669857"/>
           </a:xfrm>
           <a:prstGeom prst="ellipse">
@@ -4305,7 +4270,7 @@
         </p:nvSpPr>
         <p:spPr>
           <a:xfrm>
-            <a:off x="8145043" y="10103135"/>
+            <a:off x="7721723" y="9122859"/>
             <a:ext cx="743347" cy="669857"/>
           </a:xfrm>
           <a:prstGeom prst="ellipse">
@@ -4359,7 +4324,7 @@
         </p:nvSpPr>
         <p:spPr>
           <a:xfrm>
-            <a:off x="5713191" y="5242794"/>
+            <a:off x="5447736" y="4325520"/>
             <a:ext cx="743347" cy="669857"/>
           </a:xfrm>
           <a:prstGeom prst="ellipse">
@@ -4390,12 +4355,12 @@
           <a:p>
             <a:pPr algn="ctr"/>
             <a:r>
-              <a:rPr lang="en-US" sz="1900" dirty="0">
+              <a:rPr lang="en-US" sz="1900" dirty="0" smtClean="0">
                 <a:solidFill>
                   <a:schemeClr val="tx1"/>
                 </a:solidFill>
               </a:rPr>
-              <a:t>0</a:t>
+              <a:t>7</a:t>
             </a:r>
             <a:endParaRPr lang="en-US" sz="1900" dirty="0">
               <a:solidFill>
@@ -4413,7 +4378,7 @@
         </p:nvSpPr>
         <p:spPr>
           <a:xfrm>
-            <a:off x="5713191" y="6340292"/>
+            <a:off x="5447736" y="5219112"/>
             <a:ext cx="743347" cy="669857"/>
           </a:xfrm>
           <a:prstGeom prst="ellipse">
@@ -4444,12 +4409,12 @@
           <a:p>
             <a:pPr algn="ctr"/>
             <a:r>
-              <a:rPr lang="en-US" sz="1900" dirty="0">
+              <a:rPr lang="en-US" sz="1900" dirty="0" smtClean="0">
                 <a:solidFill>
                   <a:schemeClr val="tx1"/>
                 </a:solidFill>
               </a:rPr>
-              <a:t>0</a:t>
+              <a:t>9</a:t>
             </a:r>
             <a:endParaRPr lang="en-US" sz="1900" dirty="0">
               <a:solidFill>
@@ -4467,7 +4432,7 @@
         </p:nvSpPr>
         <p:spPr>
           <a:xfrm>
-            <a:off x="5713191" y="10103135"/>
+            <a:off x="5356711" y="9122859"/>
             <a:ext cx="743347" cy="669857"/>
           </a:xfrm>
           <a:prstGeom prst="ellipse">
@@ -4521,7 +4486,7 @@
         </p:nvSpPr>
         <p:spPr>
           <a:xfrm>
-            <a:off x="10576895" y="10103135"/>
+            <a:off x="10086735" y="9122859"/>
             <a:ext cx="743347" cy="669857"/>
           </a:xfrm>
           <a:prstGeom prst="ellipse">
@@ -4575,7 +4540,7 @@
         </p:nvSpPr>
         <p:spPr>
           <a:xfrm>
-            <a:off x="5283480" y="12517526"/>
+            <a:off x="5105240" y="12517526"/>
             <a:ext cx="743347" cy="669857"/>
           </a:xfrm>
           <a:prstGeom prst="ellipse">
@@ -4606,12 +4571,12 @@
           <a:p>
             <a:pPr algn="ctr"/>
             <a:r>
-              <a:rPr lang="en-US" sz="1900" dirty="0">
+              <a:rPr lang="en-US" sz="1900" dirty="0" smtClean="0">
                 <a:solidFill>
                   <a:schemeClr val="tx1"/>
                 </a:solidFill>
               </a:rPr>
-              <a:t>0</a:t>
+              <a:t>20</a:t>
             </a:r>
             <a:endParaRPr lang="en-US" sz="1900" dirty="0">
               <a:solidFill>
@@ -4629,7 +4594,7 @@
         </p:nvSpPr>
         <p:spPr>
           <a:xfrm>
-            <a:off x="7558513" y="12517526"/>
+            <a:off x="7380273" y="12517526"/>
             <a:ext cx="743347" cy="669857"/>
           </a:xfrm>
           <a:prstGeom prst="ellipse">
@@ -4660,12 +4625,12 @@
           <a:p>
             <a:pPr algn="ctr"/>
             <a:r>
-              <a:rPr lang="en-US" sz="1900" dirty="0">
+              <a:rPr lang="en-US" sz="1900" dirty="0" smtClean="0">
                 <a:solidFill>
                   <a:schemeClr val="tx1"/>
                 </a:solidFill>
               </a:rPr>
-              <a:t>0</a:t>
+              <a:t>21</a:t>
             </a:r>
             <a:endParaRPr lang="en-US" sz="1900" dirty="0">
               <a:solidFill>
@@ -4683,7 +4648,7 @@
         </p:nvSpPr>
         <p:spPr>
           <a:xfrm>
-            <a:off x="9833548" y="12517526"/>
+            <a:off x="9655308" y="12517526"/>
             <a:ext cx="743347" cy="669857"/>
           </a:xfrm>
           <a:prstGeom prst="ellipse">
@@ -4714,12 +4679,12 @@
           <a:p>
             <a:pPr algn="ctr"/>
             <a:r>
-              <a:rPr lang="en-US" sz="1900" dirty="0">
+              <a:rPr lang="en-US" sz="1900" dirty="0" smtClean="0">
                 <a:solidFill>
                   <a:schemeClr val="tx1"/>
                 </a:solidFill>
               </a:rPr>
-              <a:t>0</a:t>
+              <a:t>220</a:t>
             </a:r>
             <a:endParaRPr lang="en-US" sz="1900" dirty="0">
               <a:solidFill>
@@ -4737,7 +4702,7 @@
         </p:nvSpPr>
         <p:spPr>
           <a:xfrm>
-            <a:off x="3281334" y="13712443"/>
+            <a:off x="3103094" y="13712443"/>
             <a:ext cx="743347" cy="669857"/>
           </a:xfrm>
           <a:prstGeom prst="ellipse">
@@ -4768,12 +4733,12 @@
           <a:p>
             <a:pPr algn="ctr"/>
             <a:r>
-              <a:rPr lang="en-US" sz="1900" dirty="0">
+              <a:rPr lang="en-US" sz="1900" dirty="0" smtClean="0">
                 <a:solidFill>
                   <a:schemeClr val="tx1"/>
                 </a:solidFill>
               </a:rPr>
-              <a:t>0</a:t>
+              <a:t>23</a:t>
             </a:r>
             <a:endParaRPr lang="en-US" sz="1900" dirty="0">
               <a:solidFill>
@@ -4791,7 +4756,7 @@
         </p:nvSpPr>
         <p:spPr>
           <a:xfrm>
-            <a:off x="5997650" y="13712443"/>
+            <a:off x="5819410" y="13712443"/>
             <a:ext cx="743347" cy="669857"/>
           </a:xfrm>
           <a:prstGeom prst="ellipse">
@@ -4822,12 +4787,12 @@
           <a:p>
             <a:pPr algn="ctr"/>
             <a:r>
-              <a:rPr lang="en-US" sz="1900" dirty="0">
+              <a:rPr lang="en-US" sz="1900" dirty="0" smtClean="0">
                 <a:solidFill>
                   <a:schemeClr val="tx1"/>
                 </a:solidFill>
               </a:rPr>
-              <a:t>0</a:t>
+              <a:t>25</a:t>
             </a:r>
             <a:endParaRPr lang="en-US" sz="1900" dirty="0">
               <a:solidFill>
@@ -4845,7 +4810,7 @@
         </p:nvSpPr>
         <p:spPr>
           <a:xfrm>
-            <a:off x="8367881" y="13712443"/>
+            <a:off x="8189641" y="13712443"/>
             <a:ext cx="743347" cy="669857"/>
           </a:xfrm>
           <a:prstGeom prst="ellipse">
@@ -4876,12 +4841,12 @@
           <a:p>
             <a:pPr algn="ctr"/>
             <a:r>
-              <a:rPr lang="en-US" sz="1900" dirty="0">
+              <a:rPr lang="en-US" sz="1900" dirty="0" smtClean="0">
                 <a:solidFill>
                   <a:schemeClr val="tx1"/>
                 </a:solidFill>
               </a:rPr>
-              <a:t>0</a:t>
+              <a:t>26</a:t>
             </a:r>
             <a:endParaRPr lang="en-US" sz="1900" dirty="0">
               <a:solidFill>
@@ -4899,7 +4864,7 @@
         </p:nvSpPr>
         <p:spPr>
           <a:xfrm>
-            <a:off x="6693511" y="11491205"/>
+            <a:off x="6515271" y="11201578"/>
             <a:ext cx="743347" cy="669857"/>
           </a:xfrm>
           <a:prstGeom prst="ellipse">
@@ -4953,7 +4918,7 @@
         </p:nvSpPr>
         <p:spPr>
           <a:xfrm>
-            <a:off x="9125363" y="11491205"/>
+            <a:off x="8947123" y="11201578"/>
             <a:ext cx="743347" cy="669857"/>
           </a:xfrm>
           <a:prstGeom prst="ellipse">
@@ -5010,8 +4975,8 @@
         </p:nvCxnSpPr>
         <p:spPr>
           <a:xfrm flipV="1">
-            <a:off x="3751789" y="10438064"/>
-            <a:ext cx="1961402" cy="6350"/>
+            <a:off x="3573549" y="9457788"/>
+            <a:ext cx="1783162" cy="6350"/>
           </a:xfrm>
           <a:prstGeom prst="straightConnector1">
             <a:avLst/>
@@ -5046,8 +5011,8 @@
         </p:nvCxnSpPr>
         <p:spPr>
           <a:xfrm>
-            <a:off x="6456538" y="10438064"/>
-            <a:ext cx="1688505" cy="0"/>
+            <a:off x="6100058" y="9457788"/>
+            <a:ext cx="1621665" cy="0"/>
           </a:xfrm>
           <a:prstGeom prst="straightConnector1">
             <a:avLst/>
@@ -5082,8 +5047,8 @@
         </p:nvCxnSpPr>
         <p:spPr>
           <a:xfrm>
-            <a:off x="8888390" y="10438064"/>
-            <a:ext cx="1688505" cy="0"/>
+            <a:off x="8465070" y="9457788"/>
+            <a:ext cx="1621665" cy="0"/>
           </a:xfrm>
           <a:prstGeom prst="straightConnector1">
             <a:avLst/>
@@ -5118,8 +5083,8 @@
         </p:nvCxnSpPr>
         <p:spPr>
           <a:xfrm rot="16200000" flipH="1">
-            <a:off x="4513417" y="9646040"/>
-            <a:ext cx="1046792" cy="3313395"/>
+            <a:off x="3989853" y="9011088"/>
+            <a:ext cx="1737441" cy="3313395"/>
           </a:xfrm>
           <a:prstGeom prst="bentConnector2">
             <a:avLst/>
@@ -5154,7 +5119,7 @@
         </p:nvCxnSpPr>
         <p:spPr>
           <a:xfrm>
-            <a:off x="7436858" y="11826134"/>
+            <a:off x="7258618" y="11536507"/>
             <a:ext cx="1688505" cy="0"/>
           </a:xfrm>
           <a:prstGeom prst="straightConnector1">
@@ -5190,8 +5155,8 @@
         </p:nvCxnSpPr>
         <p:spPr>
           <a:xfrm rot="16200000" flipH="1" flipV="1">
-            <a:off x="7161168" y="6322083"/>
-            <a:ext cx="6350" cy="7568453"/>
+            <a:off x="6826968" y="5497767"/>
+            <a:ext cx="6350" cy="7256533"/>
           </a:xfrm>
           <a:prstGeom prst="bentConnector3">
             <a:avLst>
@@ -5229,81 +5194,16 @@
         <p:spPr>
           <a:xfrm flipH="1" flipV="1">
             <a:off x="1324361" y="1083305"/>
-            <a:ext cx="9995881" cy="9354759"/>
+            <a:ext cx="9505721" cy="8374483"/>
           </a:xfrm>
           <a:prstGeom prst="bentConnector3">
             <a:avLst>
-              <a:gd name="adj1" fmla="val -2287"/>
+              <a:gd name="adj1" fmla="val -11780"/>
             </a:avLst>
           </a:prstGeom>
           <a:ln>
             <a:tailEnd type="arrow"/>
           </a:ln>
-        </p:spPr>
-        <p:style>
-          <a:lnRef idx="2">
-            <a:schemeClr val="accent1"/>
-          </a:lnRef>
-          <a:fillRef idx="0">
-            <a:schemeClr val="accent1"/>
-          </a:fillRef>
-          <a:effectRef idx="1">
-            <a:schemeClr val="accent1"/>
-          </a:effectRef>
-          <a:fontRef idx="minor">
-            <a:schemeClr val="tx1"/>
-          </a:fontRef>
-        </p:style>
-      </p:cxnSp>
-      <p:cxnSp>
-        <p:nvCxnSpPr>
-          <p:cNvPr id="136" name="Elbow Connector 135"/>
-          <p:cNvCxnSpPr>
-            <a:stCxn id="38" idx="4"/>
-          </p:cNvCxnSpPr>
-          <p:nvPr/>
-        </p:nvCxnSpPr>
-        <p:spPr>
-          <a:xfrm rot="16200000" flipH="1">
-            <a:off x="8685542" y="8172314"/>
-            <a:ext cx="344045" cy="5545399"/>
-          </a:xfrm>
-          <a:prstGeom prst="bentConnector2">
-            <a:avLst/>
-          </a:prstGeom>
-          <a:ln>
-            <a:tailEnd type="arrow"/>
-          </a:ln>
-        </p:spPr>
-        <p:style>
-          <a:lnRef idx="2">
-            <a:schemeClr val="accent1"/>
-          </a:lnRef>
-          <a:fillRef idx="0">
-            <a:schemeClr val="accent1"/>
-          </a:fillRef>
-          <a:effectRef idx="1">
-            <a:schemeClr val="accent1"/>
-          </a:effectRef>
-          <a:fontRef idx="minor">
-            <a:schemeClr val="tx1"/>
-          </a:fontRef>
-        </p:style>
-      </p:cxnSp>
-      <p:cxnSp>
-        <p:nvCxnSpPr>
-          <p:cNvPr id="138" name="Straight Connector 137"/>
-          <p:cNvCxnSpPr/>
-          <p:nvPr/>
-        </p:nvCxnSpPr>
-        <p:spPr>
-          <a:xfrm flipV="1">
-            <a:off x="11630264" y="690638"/>
-            <a:ext cx="0" cy="11117047"/>
-          </a:xfrm>
-          <a:prstGeom prst="line">
-            <a:avLst/>
-          </a:prstGeom>
         </p:spPr>
         <p:style>
           <a:lnRef idx="2">
@@ -5331,7 +5231,7 @@
         </p:nvCxnSpPr>
         <p:spPr>
           <a:xfrm>
-            <a:off x="3751789" y="12852455"/>
+            <a:off x="3573549" y="12852455"/>
             <a:ext cx="1531691" cy="0"/>
           </a:xfrm>
           <a:prstGeom prst="straightConnector1">
@@ -5367,7 +5267,7 @@
         </p:nvCxnSpPr>
         <p:spPr>
           <a:xfrm>
-            <a:off x="6026827" y="12852455"/>
+            <a:off x="5848587" y="12852455"/>
             <a:ext cx="1531686" cy="0"/>
           </a:xfrm>
           <a:prstGeom prst="straightConnector1">
@@ -5403,7 +5303,7 @@
         </p:nvCxnSpPr>
         <p:spPr>
           <a:xfrm>
-            <a:off x="8301860" y="12852455"/>
+            <a:off x="8123620" y="12852455"/>
             <a:ext cx="1531688" cy="0"/>
           </a:xfrm>
           <a:prstGeom prst="straightConnector1">
@@ -5438,7 +5338,7 @@
         </p:nvCxnSpPr>
         <p:spPr>
           <a:xfrm>
-            <a:off x="10205222" y="13187383"/>
+            <a:off x="10026982" y="13187383"/>
             <a:ext cx="21389" cy="291201"/>
           </a:xfrm>
           <a:prstGeom prst="line">
@@ -5468,7 +5368,7 @@
         </p:nvCxnSpPr>
         <p:spPr>
           <a:xfrm flipH="1">
-            <a:off x="2495382" y="13478584"/>
+            <a:off x="2317142" y="13478584"/>
             <a:ext cx="7709840" cy="0"/>
           </a:xfrm>
           <a:prstGeom prst="line">
@@ -5500,7 +5400,7 @@
         </p:nvCxnSpPr>
         <p:spPr>
           <a:xfrm>
-            <a:off x="2495382" y="13478584"/>
+            <a:off x="2317142" y="13478584"/>
             <a:ext cx="785952" cy="568788"/>
           </a:xfrm>
           <a:prstGeom prst="bentConnector3">
@@ -5537,7 +5437,7 @@
         </p:nvCxnSpPr>
         <p:spPr>
           <a:xfrm flipV="1">
-            <a:off x="9497037" y="11295277"/>
+            <a:off x="9318797" y="11005650"/>
             <a:ext cx="16608" cy="195928"/>
           </a:xfrm>
           <a:prstGeom prst="line">
@@ -5567,7 +5467,7 @@
         </p:nvCxnSpPr>
         <p:spPr>
           <a:xfrm flipH="1">
-            <a:off x="4024681" y="11295277"/>
+            <a:off x="3846441" y="11005650"/>
             <a:ext cx="5488964" cy="0"/>
           </a:xfrm>
           <a:prstGeom prst="line">
@@ -5599,7 +5499,7 @@
         </p:nvCxnSpPr>
         <p:spPr>
           <a:xfrm flipH="1" flipV="1">
-            <a:off x="3642928" y="10681244"/>
+            <a:off x="3464688" y="9700968"/>
             <a:ext cx="381754" cy="614034"/>
           </a:xfrm>
           <a:prstGeom prst="straightConnector1">
@@ -5624,6 +5524,956 @@
           </a:fontRef>
         </p:style>
       </p:cxnSp>
+      <p:cxnSp>
+        <p:nvCxnSpPr>
+          <p:cNvPr id="172" name="Straight Arrow Connector 171"/>
+          <p:cNvCxnSpPr>
+            <a:stCxn id="44" idx="6"/>
+            <a:endCxn id="46" idx="2"/>
+          </p:cNvCxnSpPr>
+          <p:nvPr/>
+        </p:nvCxnSpPr>
+        <p:spPr>
+          <a:xfrm>
+            <a:off x="3846441" y="14047372"/>
+            <a:ext cx="1972969" cy="0"/>
+          </a:xfrm>
+          <a:prstGeom prst="straightConnector1">
+            <a:avLst/>
+          </a:prstGeom>
+          <a:ln>
+            <a:tailEnd type="arrow"/>
+          </a:ln>
+        </p:spPr>
+        <p:style>
+          <a:lnRef idx="2">
+            <a:schemeClr val="accent1"/>
+          </a:lnRef>
+          <a:fillRef idx="0">
+            <a:schemeClr val="accent1"/>
+          </a:fillRef>
+          <a:effectRef idx="1">
+            <a:schemeClr val="accent1"/>
+          </a:effectRef>
+          <a:fontRef idx="minor">
+            <a:schemeClr val="tx1"/>
+          </a:fontRef>
+        </p:style>
+      </p:cxnSp>
+      <p:cxnSp>
+        <p:nvCxnSpPr>
+          <p:cNvPr id="174" name="Straight Arrow Connector 173"/>
+          <p:cNvCxnSpPr>
+            <a:stCxn id="46" idx="6"/>
+            <a:endCxn id="47" idx="2"/>
+          </p:cNvCxnSpPr>
+          <p:nvPr/>
+        </p:nvCxnSpPr>
+        <p:spPr>
+          <a:xfrm>
+            <a:off x="6562757" y="14047372"/>
+            <a:ext cx="1626884" cy="0"/>
+          </a:xfrm>
+          <a:prstGeom prst="straightConnector1">
+            <a:avLst/>
+          </a:prstGeom>
+          <a:ln>
+            <a:tailEnd type="arrow"/>
+          </a:ln>
+        </p:spPr>
+        <p:style>
+          <a:lnRef idx="2">
+            <a:schemeClr val="accent1"/>
+          </a:lnRef>
+          <a:fillRef idx="0">
+            <a:schemeClr val="accent1"/>
+          </a:fillRef>
+          <a:effectRef idx="1">
+            <a:schemeClr val="accent1"/>
+          </a:effectRef>
+          <a:fontRef idx="minor">
+            <a:schemeClr val="tx1"/>
+          </a:fontRef>
+        </p:style>
+      </p:cxnSp>
+      <p:cxnSp>
+        <p:nvCxnSpPr>
+          <p:cNvPr id="176" name="Elbow Connector 175"/>
+          <p:cNvCxnSpPr>
+            <a:stCxn id="7" idx="4"/>
+            <a:endCxn id="28" idx="2"/>
+          </p:cNvCxnSpPr>
+          <p:nvPr/>
+        </p:nvCxnSpPr>
+        <p:spPr>
+          <a:xfrm rot="16200000" flipH="1">
+            <a:off x="-3825666" y="6196587"/>
+            <a:ext cx="11434222" cy="1877514"/>
+          </a:xfrm>
+          <a:prstGeom prst="bentConnector2">
+            <a:avLst/>
+          </a:prstGeom>
+          <a:ln>
+            <a:tailEnd type="arrow"/>
+          </a:ln>
+        </p:spPr>
+        <p:style>
+          <a:lnRef idx="2">
+            <a:schemeClr val="accent1"/>
+          </a:lnRef>
+          <a:fillRef idx="0">
+            <a:schemeClr val="accent1"/>
+          </a:fillRef>
+          <a:effectRef idx="1">
+            <a:schemeClr val="accent1"/>
+          </a:effectRef>
+          <a:fontRef idx="minor">
+            <a:schemeClr val="tx1"/>
+          </a:fontRef>
+        </p:style>
+      </p:cxnSp>
+      <p:cxnSp>
+        <p:nvCxnSpPr>
+          <p:cNvPr id="181" name="Elbow Connector 180"/>
+          <p:cNvCxnSpPr>
+            <a:stCxn id="7" idx="4"/>
+            <a:endCxn id="34" idx="2"/>
+          </p:cNvCxnSpPr>
+          <p:nvPr/>
+        </p:nvCxnSpPr>
+        <p:spPr>
+          <a:xfrm rot="16200000" flipH="1">
+            <a:off x="-2131507" y="4502428"/>
+            <a:ext cx="8045905" cy="1877514"/>
+          </a:xfrm>
+          <a:prstGeom prst="bentConnector2">
+            <a:avLst/>
+          </a:prstGeom>
+          <a:ln>
+            <a:tailEnd type="arrow"/>
+          </a:ln>
+        </p:spPr>
+        <p:style>
+          <a:lnRef idx="2">
+            <a:schemeClr val="accent1"/>
+          </a:lnRef>
+          <a:fillRef idx="0">
+            <a:schemeClr val="accent1"/>
+          </a:fillRef>
+          <a:effectRef idx="1">
+            <a:schemeClr val="accent1"/>
+          </a:effectRef>
+          <a:fontRef idx="minor">
+            <a:schemeClr val="tx1"/>
+          </a:fontRef>
+        </p:style>
+      </p:cxnSp>
+      <p:cxnSp>
+        <p:nvCxnSpPr>
+          <p:cNvPr id="183" name="Elbow Connector 182"/>
+          <p:cNvCxnSpPr>
+            <a:stCxn id="7" idx="4"/>
+            <a:endCxn id="27" idx="2"/>
+          </p:cNvCxnSpPr>
+          <p:nvPr/>
+        </p:nvCxnSpPr>
+        <p:spPr>
+          <a:xfrm rot="16200000" flipH="1">
+            <a:off x="-1516846" y="3887767"/>
+            <a:ext cx="6816582" cy="1877514"/>
+          </a:xfrm>
+          <a:prstGeom prst="bentConnector2">
+            <a:avLst/>
+          </a:prstGeom>
+          <a:ln>
+            <a:tailEnd type="arrow"/>
+          </a:ln>
+        </p:spPr>
+        <p:style>
+          <a:lnRef idx="2">
+            <a:schemeClr val="accent1"/>
+          </a:lnRef>
+          <a:fillRef idx="0">
+            <a:schemeClr val="accent1"/>
+          </a:fillRef>
+          <a:effectRef idx="1">
+            <a:schemeClr val="accent1"/>
+          </a:effectRef>
+          <a:fontRef idx="minor">
+            <a:schemeClr val="tx1"/>
+          </a:fontRef>
+        </p:style>
+      </p:cxnSp>
+      <p:cxnSp>
+        <p:nvCxnSpPr>
+          <p:cNvPr id="185" name="Elbow Connector 184"/>
+          <p:cNvCxnSpPr>
+            <a:stCxn id="7" idx="4"/>
+            <a:endCxn id="26" idx="2"/>
+          </p:cNvCxnSpPr>
+          <p:nvPr/>
+        </p:nvCxnSpPr>
+        <p:spPr>
+          <a:xfrm rot="16200000" flipH="1">
+            <a:off x="-1070051" y="3440972"/>
+            <a:ext cx="5922992" cy="1877514"/>
+          </a:xfrm>
+          <a:prstGeom prst="bentConnector2">
+            <a:avLst/>
+          </a:prstGeom>
+          <a:ln>
+            <a:tailEnd type="arrow"/>
+          </a:ln>
+        </p:spPr>
+        <p:style>
+          <a:lnRef idx="2">
+            <a:schemeClr val="accent1"/>
+          </a:lnRef>
+          <a:fillRef idx="0">
+            <a:schemeClr val="accent1"/>
+          </a:fillRef>
+          <a:effectRef idx="1">
+            <a:schemeClr val="accent1"/>
+          </a:effectRef>
+          <a:fontRef idx="minor">
+            <a:schemeClr val="tx1"/>
+          </a:fontRef>
+        </p:style>
+      </p:cxnSp>
+      <p:cxnSp>
+        <p:nvCxnSpPr>
+          <p:cNvPr id="187" name="Elbow Connector 186"/>
+          <p:cNvCxnSpPr>
+            <a:stCxn id="7" idx="4"/>
+            <a:endCxn id="32" idx="2"/>
+          </p:cNvCxnSpPr>
+          <p:nvPr/>
+        </p:nvCxnSpPr>
+        <p:spPr>
+          <a:xfrm rot="16200000" flipH="1">
+            <a:off x="-623255" y="2994176"/>
+            <a:ext cx="5029400" cy="1877514"/>
+          </a:xfrm>
+          <a:prstGeom prst="bentConnector2">
+            <a:avLst/>
+          </a:prstGeom>
+          <a:ln>
+            <a:tailEnd type="arrow"/>
+          </a:ln>
+        </p:spPr>
+        <p:style>
+          <a:lnRef idx="2">
+            <a:schemeClr val="accent1"/>
+          </a:lnRef>
+          <a:fillRef idx="0">
+            <a:schemeClr val="accent1"/>
+          </a:fillRef>
+          <a:effectRef idx="1">
+            <a:schemeClr val="accent1"/>
+          </a:effectRef>
+          <a:fontRef idx="minor">
+            <a:schemeClr val="tx1"/>
+          </a:fontRef>
+        </p:style>
+      </p:cxnSp>
+      <p:cxnSp>
+        <p:nvCxnSpPr>
+          <p:cNvPr id="189" name="Elbow Connector 188"/>
+          <p:cNvCxnSpPr>
+            <a:stCxn id="7" idx="4"/>
+            <a:endCxn id="25" idx="2"/>
+          </p:cNvCxnSpPr>
+          <p:nvPr/>
+        </p:nvCxnSpPr>
+        <p:spPr>
+          <a:xfrm rot="16200000" flipH="1">
+            <a:off x="-176459" y="2547380"/>
+            <a:ext cx="4135808" cy="1877514"/>
+          </a:xfrm>
+          <a:prstGeom prst="bentConnector2">
+            <a:avLst/>
+          </a:prstGeom>
+          <a:ln>
+            <a:tailEnd type="arrow"/>
+          </a:ln>
+        </p:spPr>
+        <p:style>
+          <a:lnRef idx="2">
+            <a:schemeClr val="accent1"/>
+          </a:lnRef>
+          <a:fillRef idx="0">
+            <a:schemeClr val="accent1"/>
+          </a:fillRef>
+          <a:effectRef idx="1">
+            <a:schemeClr val="accent1"/>
+          </a:effectRef>
+          <a:fontRef idx="minor">
+            <a:schemeClr val="tx1"/>
+          </a:fontRef>
+        </p:style>
+      </p:cxnSp>
+      <p:cxnSp>
+        <p:nvCxnSpPr>
+          <p:cNvPr id="191" name="Elbow Connector 190"/>
+          <p:cNvCxnSpPr>
+            <a:stCxn id="7" idx="4"/>
+            <a:endCxn id="24" idx="2"/>
+          </p:cNvCxnSpPr>
+          <p:nvPr/>
+        </p:nvCxnSpPr>
+        <p:spPr>
+          <a:xfrm rot="16200000" flipH="1">
+            <a:off x="270337" y="2100584"/>
+            <a:ext cx="3242216" cy="1877514"/>
+          </a:xfrm>
+          <a:prstGeom prst="bentConnector2">
+            <a:avLst/>
+          </a:prstGeom>
+          <a:ln>
+            <a:tailEnd type="arrow"/>
+          </a:ln>
+        </p:spPr>
+        <p:style>
+          <a:lnRef idx="2">
+            <a:schemeClr val="accent1"/>
+          </a:lnRef>
+          <a:fillRef idx="0">
+            <a:schemeClr val="accent1"/>
+          </a:fillRef>
+          <a:effectRef idx="1">
+            <a:schemeClr val="accent1"/>
+          </a:effectRef>
+          <a:fontRef idx="minor">
+            <a:schemeClr val="tx1"/>
+          </a:fontRef>
+        </p:style>
+      </p:cxnSp>
+      <p:cxnSp>
+        <p:nvCxnSpPr>
+          <p:cNvPr id="193" name="Elbow Connector 192"/>
+          <p:cNvCxnSpPr>
+            <a:stCxn id="7" idx="4"/>
+            <a:endCxn id="8" idx="2"/>
+          </p:cNvCxnSpPr>
+          <p:nvPr/>
+        </p:nvCxnSpPr>
+        <p:spPr>
+          <a:xfrm rot="16200000" flipH="1">
+            <a:off x="717133" y="1653788"/>
+            <a:ext cx="2348624" cy="1877514"/>
+          </a:xfrm>
+          <a:prstGeom prst="bentConnector2">
+            <a:avLst/>
+          </a:prstGeom>
+          <a:ln>
+            <a:tailEnd type="arrow"/>
+          </a:ln>
+        </p:spPr>
+        <p:style>
+          <a:lnRef idx="2">
+            <a:schemeClr val="accent1"/>
+          </a:lnRef>
+          <a:fillRef idx="0">
+            <a:schemeClr val="accent1"/>
+          </a:fillRef>
+          <a:effectRef idx="1">
+            <a:schemeClr val="accent1"/>
+          </a:effectRef>
+          <a:fontRef idx="minor">
+            <a:schemeClr val="tx1"/>
+          </a:fontRef>
+        </p:style>
+      </p:cxnSp>
+      <p:cxnSp>
+        <p:nvCxnSpPr>
+          <p:cNvPr id="195" name="Elbow Connector 194"/>
+          <p:cNvCxnSpPr>
+            <a:stCxn id="7" idx="4"/>
+            <a:endCxn id="15" idx="2"/>
+          </p:cNvCxnSpPr>
+          <p:nvPr/>
+        </p:nvCxnSpPr>
+        <p:spPr>
+          <a:xfrm rot="16200000" flipH="1">
+            <a:off x="1163929" y="1206992"/>
+            <a:ext cx="1455032" cy="1877514"/>
+          </a:xfrm>
+          <a:prstGeom prst="bentConnector2">
+            <a:avLst/>
+          </a:prstGeom>
+          <a:ln>
+            <a:tailEnd type="arrow"/>
+          </a:ln>
+        </p:spPr>
+        <p:style>
+          <a:lnRef idx="2">
+            <a:schemeClr val="accent1"/>
+          </a:lnRef>
+          <a:fillRef idx="0">
+            <a:schemeClr val="accent1"/>
+          </a:fillRef>
+          <a:effectRef idx="1">
+            <a:schemeClr val="accent1"/>
+          </a:effectRef>
+          <a:fontRef idx="minor">
+            <a:schemeClr val="tx1"/>
+          </a:fontRef>
+        </p:style>
+      </p:cxnSp>
+      <p:cxnSp>
+        <p:nvCxnSpPr>
+          <p:cNvPr id="197" name="Elbow Connector 196"/>
+          <p:cNvCxnSpPr>
+            <a:stCxn id="7" idx="4"/>
+            <a:endCxn id="5" idx="2"/>
+          </p:cNvCxnSpPr>
+          <p:nvPr/>
+        </p:nvCxnSpPr>
+        <p:spPr>
+          <a:xfrm rot="16200000" flipH="1">
+            <a:off x="1610725" y="760196"/>
+            <a:ext cx="561440" cy="1877514"/>
+          </a:xfrm>
+          <a:prstGeom prst="bentConnector2">
+            <a:avLst/>
+          </a:prstGeom>
+          <a:ln>
+            <a:tailEnd type="arrow"/>
+          </a:ln>
+        </p:spPr>
+        <p:style>
+          <a:lnRef idx="2">
+            <a:schemeClr val="accent1"/>
+          </a:lnRef>
+          <a:fillRef idx="0">
+            <a:schemeClr val="accent1"/>
+          </a:fillRef>
+          <a:effectRef idx="1">
+            <a:schemeClr val="accent1"/>
+          </a:effectRef>
+          <a:fontRef idx="minor">
+            <a:schemeClr val="tx1"/>
+          </a:fontRef>
+        </p:style>
+      </p:cxnSp>
+      <p:cxnSp>
+        <p:nvCxnSpPr>
+          <p:cNvPr id="199" name="Straight Arrow Connector 198"/>
+          <p:cNvCxnSpPr>
+            <a:stCxn id="5" idx="6"/>
+            <a:endCxn id="19" idx="2"/>
+          </p:cNvCxnSpPr>
+          <p:nvPr/>
+        </p:nvCxnSpPr>
+        <p:spPr>
+          <a:xfrm flipV="1">
+            <a:off x="3573549" y="1973323"/>
+            <a:ext cx="1874187" cy="6350"/>
+          </a:xfrm>
+          <a:prstGeom prst="straightConnector1">
+            <a:avLst/>
+          </a:prstGeom>
+          <a:ln>
+            <a:tailEnd type="arrow"/>
+          </a:ln>
+        </p:spPr>
+        <p:style>
+          <a:lnRef idx="2">
+            <a:schemeClr val="accent1"/>
+          </a:lnRef>
+          <a:fillRef idx="0">
+            <a:schemeClr val="accent1"/>
+          </a:fillRef>
+          <a:effectRef idx="1">
+            <a:schemeClr val="accent1"/>
+          </a:effectRef>
+          <a:fontRef idx="minor">
+            <a:schemeClr val="tx1"/>
+          </a:fontRef>
+        </p:style>
+      </p:cxnSp>
+      <p:cxnSp>
+        <p:nvCxnSpPr>
+          <p:cNvPr id="203" name="Straight Arrow Connector 202"/>
+          <p:cNvCxnSpPr>
+            <a:stCxn id="19" idx="6"/>
+          </p:cNvCxnSpPr>
+          <p:nvPr/>
+        </p:nvCxnSpPr>
+        <p:spPr>
+          <a:xfrm>
+            <a:off x="6191083" y="1973323"/>
+            <a:ext cx="5773385" cy="0"/>
+          </a:xfrm>
+          <a:prstGeom prst="straightConnector1">
+            <a:avLst/>
+          </a:prstGeom>
+          <a:ln>
+            <a:tailEnd type="arrow"/>
+          </a:ln>
+        </p:spPr>
+        <p:style>
+          <a:lnRef idx="2">
+            <a:schemeClr val="accent1"/>
+          </a:lnRef>
+          <a:fillRef idx="0">
+            <a:schemeClr val="accent1"/>
+          </a:fillRef>
+          <a:effectRef idx="1">
+            <a:schemeClr val="accent1"/>
+          </a:effectRef>
+          <a:fontRef idx="minor">
+            <a:schemeClr val="tx1"/>
+          </a:fontRef>
+        </p:style>
+      </p:cxnSp>
+      <p:cxnSp>
+        <p:nvCxnSpPr>
+          <p:cNvPr id="212" name="Elbow Connector 211"/>
+          <p:cNvCxnSpPr>
+            <a:stCxn id="38" idx="4"/>
+          </p:cNvCxnSpPr>
+          <p:nvPr/>
+        </p:nvCxnSpPr>
+        <p:spPr>
+          <a:xfrm rot="16200000" flipH="1">
+            <a:off x="8707817" y="6813284"/>
+            <a:ext cx="277219" cy="6236082"/>
+          </a:xfrm>
+          <a:prstGeom prst="bentConnector2">
+            <a:avLst/>
+          </a:prstGeom>
+          <a:ln>
+            <a:tailEnd type="arrow"/>
+          </a:ln>
+        </p:spPr>
+        <p:style>
+          <a:lnRef idx="2">
+            <a:schemeClr val="accent1"/>
+          </a:lnRef>
+          <a:fillRef idx="0">
+            <a:schemeClr val="accent1"/>
+          </a:fillRef>
+          <a:effectRef idx="1">
+            <a:schemeClr val="accent1"/>
+          </a:effectRef>
+          <a:fontRef idx="minor">
+            <a:schemeClr val="tx1"/>
+          </a:fontRef>
+        </p:style>
+      </p:cxnSp>
+      <p:cxnSp>
+        <p:nvCxnSpPr>
+          <p:cNvPr id="214" name="Straight Arrow Connector 213"/>
+          <p:cNvCxnSpPr>
+            <a:stCxn id="35" idx="4"/>
+          </p:cNvCxnSpPr>
+          <p:nvPr/>
+        </p:nvCxnSpPr>
+        <p:spPr>
+          <a:xfrm>
+            <a:off x="8093397" y="9792716"/>
+            <a:ext cx="30223" cy="277219"/>
+          </a:xfrm>
+          <a:prstGeom prst="straightConnector1">
+            <a:avLst/>
+          </a:prstGeom>
+          <a:ln>
+            <a:tailEnd type="arrow"/>
+          </a:ln>
+        </p:spPr>
+        <p:style>
+          <a:lnRef idx="2">
+            <a:schemeClr val="accent1"/>
+          </a:lnRef>
+          <a:fillRef idx="0">
+            <a:schemeClr val="accent1"/>
+          </a:fillRef>
+          <a:effectRef idx="1">
+            <a:schemeClr val="accent1"/>
+          </a:effectRef>
+          <a:fontRef idx="minor">
+            <a:schemeClr val="tx1"/>
+          </a:fontRef>
+        </p:style>
+      </p:cxnSp>
+      <p:sp>
+        <p:nvSpPr>
+          <p:cNvPr id="215" name="TextBox 214"/>
+          <p:cNvSpPr txBox="1"/>
+          <p:nvPr/>
+        </p:nvSpPr>
+        <p:spPr>
+          <a:xfrm>
+            <a:off x="1324361" y="9022850"/>
+            <a:ext cx="1013018" cy="461665"/>
+          </a:xfrm>
+          <a:prstGeom prst="rect">
+            <a:avLst/>
+          </a:prstGeom>
+          <a:noFill/>
+        </p:spPr>
+        <p:txBody>
+          <a:bodyPr wrap="none" rtlCol="0">
+            <a:spAutoFit/>
+          </a:bodyPr>
+          <a:lstStyle/>
+          <a:p>
+            <a:r>
+              <a:rPr lang="en-US" dirty="0"/>
+              <a:t>e</a:t>
+            </a:r>
+            <a:r>
+              <a:rPr lang="en-US" dirty="0" smtClean="0"/>
+              <a:t>dit(e)</a:t>
+            </a:r>
+            <a:endParaRPr lang="en-US" dirty="0"/>
+          </a:p>
+        </p:txBody>
+      </p:sp>
+      <p:cxnSp>
+        <p:nvCxnSpPr>
+          <p:cNvPr id="3" name="Straight Arrow Connector 2"/>
+          <p:cNvCxnSpPr>
+            <a:stCxn id="15" idx="6"/>
+            <a:endCxn id="29" idx="2"/>
+          </p:cNvCxnSpPr>
+          <p:nvPr/>
+        </p:nvCxnSpPr>
+        <p:spPr>
+          <a:xfrm>
+            <a:off x="3573549" y="2873265"/>
+            <a:ext cx="1874187" cy="0"/>
+          </a:xfrm>
+          <a:prstGeom prst="straightConnector1">
+            <a:avLst/>
+          </a:prstGeom>
+          <a:ln>
+            <a:tailEnd type="arrow"/>
+          </a:ln>
+        </p:spPr>
+        <p:style>
+          <a:lnRef idx="2">
+            <a:schemeClr val="accent1"/>
+          </a:lnRef>
+          <a:fillRef idx="0">
+            <a:schemeClr val="accent1"/>
+          </a:fillRef>
+          <a:effectRef idx="1">
+            <a:schemeClr val="accent1"/>
+          </a:effectRef>
+          <a:fontRef idx="minor">
+            <a:schemeClr val="tx1"/>
+          </a:fontRef>
+        </p:style>
+      </p:cxnSp>
+      <p:cxnSp>
+        <p:nvCxnSpPr>
+          <p:cNvPr id="6" name="Straight Arrow Connector 5"/>
+          <p:cNvCxnSpPr>
+            <a:stCxn id="24" idx="6"/>
+            <a:endCxn id="36" idx="2"/>
+          </p:cNvCxnSpPr>
+          <p:nvPr/>
+        </p:nvCxnSpPr>
+        <p:spPr>
+          <a:xfrm>
+            <a:off x="3573549" y="4660449"/>
+            <a:ext cx="1874187" cy="0"/>
+          </a:xfrm>
+          <a:prstGeom prst="straightConnector1">
+            <a:avLst/>
+          </a:prstGeom>
+          <a:ln>
+            <a:tailEnd type="arrow"/>
+          </a:ln>
+        </p:spPr>
+        <p:style>
+          <a:lnRef idx="2">
+            <a:schemeClr val="accent1"/>
+          </a:lnRef>
+          <a:fillRef idx="0">
+            <a:schemeClr val="accent1"/>
+          </a:fillRef>
+          <a:effectRef idx="1">
+            <a:schemeClr val="accent1"/>
+          </a:effectRef>
+          <a:fontRef idx="minor">
+            <a:schemeClr val="tx1"/>
+          </a:fontRef>
+        </p:style>
+      </p:cxnSp>
+      <p:cxnSp>
+        <p:nvCxnSpPr>
+          <p:cNvPr id="12" name="Straight Arrow Connector 11"/>
+          <p:cNvCxnSpPr>
+            <a:stCxn id="25" idx="6"/>
+            <a:endCxn id="37" idx="2"/>
+          </p:cNvCxnSpPr>
+          <p:nvPr/>
+        </p:nvCxnSpPr>
+        <p:spPr>
+          <a:xfrm>
+            <a:off x="3573549" y="5554041"/>
+            <a:ext cx="1874187" cy="0"/>
+          </a:xfrm>
+          <a:prstGeom prst="straightConnector1">
+            <a:avLst/>
+          </a:prstGeom>
+          <a:ln>
+            <a:tailEnd type="arrow"/>
+          </a:ln>
+        </p:spPr>
+        <p:style>
+          <a:lnRef idx="2">
+            <a:schemeClr val="accent1"/>
+          </a:lnRef>
+          <a:fillRef idx="0">
+            <a:schemeClr val="accent1"/>
+          </a:fillRef>
+          <a:effectRef idx="1">
+            <a:schemeClr val="accent1"/>
+          </a:effectRef>
+          <a:fontRef idx="minor">
+            <a:schemeClr val="tx1"/>
+          </a:fontRef>
+        </p:style>
+      </p:cxnSp>
+      <p:cxnSp>
+        <p:nvCxnSpPr>
+          <p:cNvPr id="14" name="Straight Arrow Connector 13"/>
+          <p:cNvCxnSpPr>
+            <a:stCxn id="8" idx="6"/>
+          </p:cNvCxnSpPr>
+          <p:nvPr/>
+        </p:nvCxnSpPr>
+        <p:spPr>
+          <a:xfrm>
+            <a:off x="3573549" y="3766857"/>
+            <a:ext cx="8390919" cy="0"/>
+          </a:xfrm>
+          <a:prstGeom prst="straightConnector1">
+            <a:avLst/>
+          </a:prstGeom>
+          <a:ln>
+            <a:tailEnd type="arrow"/>
+          </a:ln>
+        </p:spPr>
+        <p:style>
+          <a:lnRef idx="2">
+            <a:schemeClr val="accent1"/>
+          </a:lnRef>
+          <a:fillRef idx="0">
+            <a:schemeClr val="accent1"/>
+          </a:fillRef>
+          <a:effectRef idx="1">
+            <a:schemeClr val="accent1"/>
+          </a:effectRef>
+          <a:fontRef idx="minor">
+            <a:schemeClr val="tx1"/>
+          </a:fontRef>
+        </p:style>
+      </p:cxnSp>
+      <p:cxnSp>
+        <p:nvCxnSpPr>
+          <p:cNvPr id="18" name="Straight Arrow Connector 17"/>
+          <p:cNvCxnSpPr>
+            <a:stCxn id="29" idx="6"/>
+          </p:cNvCxnSpPr>
+          <p:nvPr/>
+        </p:nvCxnSpPr>
+        <p:spPr>
+          <a:xfrm>
+            <a:off x="6191083" y="2873265"/>
+            <a:ext cx="5773385" cy="0"/>
+          </a:xfrm>
+          <a:prstGeom prst="straightConnector1">
+            <a:avLst/>
+          </a:prstGeom>
+          <a:ln>
+            <a:tailEnd type="arrow"/>
+          </a:ln>
+        </p:spPr>
+        <p:style>
+          <a:lnRef idx="2">
+            <a:schemeClr val="accent1"/>
+          </a:lnRef>
+          <a:fillRef idx="0">
+            <a:schemeClr val="accent1"/>
+          </a:fillRef>
+          <a:effectRef idx="1">
+            <a:schemeClr val="accent1"/>
+          </a:effectRef>
+          <a:fontRef idx="minor">
+            <a:schemeClr val="tx1"/>
+          </a:fontRef>
+        </p:style>
+      </p:cxnSp>
+      <p:cxnSp>
+        <p:nvCxnSpPr>
+          <p:cNvPr id="21" name="Straight Arrow Connector 20"/>
+          <p:cNvCxnSpPr>
+            <a:stCxn id="36" idx="6"/>
+          </p:cNvCxnSpPr>
+          <p:nvPr/>
+        </p:nvCxnSpPr>
+        <p:spPr>
+          <a:xfrm>
+            <a:off x="6191083" y="4660449"/>
+            <a:ext cx="5773385" cy="0"/>
+          </a:xfrm>
+          <a:prstGeom prst="straightConnector1">
+            <a:avLst/>
+          </a:prstGeom>
+          <a:ln>
+            <a:tailEnd type="arrow"/>
+          </a:ln>
+        </p:spPr>
+        <p:style>
+          <a:lnRef idx="2">
+            <a:schemeClr val="accent1"/>
+          </a:lnRef>
+          <a:fillRef idx="0">
+            <a:schemeClr val="accent1"/>
+          </a:fillRef>
+          <a:effectRef idx="1">
+            <a:schemeClr val="accent1"/>
+          </a:effectRef>
+          <a:fontRef idx="minor">
+            <a:schemeClr val="tx1"/>
+          </a:fontRef>
+        </p:style>
+      </p:cxnSp>
+      <p:cxnSp>
+        <p:nvCxnSpPr>
+          <p:cNvPr id="31" name="Straight Arrow Connector 30"/>
+          <p:cNvCxnSpPr>
+            <a:stCxn id="37" idx="6"/>
+          </p:cNvCxnSpPr>
+          <p:nvPr/>
+        </p:nvCxnSpPr>
+        <p:spPr>
+          <a:xfrm>
+            <a:off x="6191083" y="5554041"/>
+            <a:ext cx="5773385" cy="0"/>
+          </a:xfrm>
+          <a:prstGeom prst="straightConnector1">
+            <a:avLst/>
+          </a:prstGeom>
+          <a:ln>
+            <a:tailEnd type="arrow"/>
+          </a:ln>
+        </p:spPr>
+        <p:style>
+          <a:lnRef idx="2">
+            <a:schemeClr val="accent1"/>
+          </a:lnRef>
+          <a:fillRef idx="0">
+            <a:schemeClr val="accent1"/>
+          </a:fillRef>
+          <a:effectRef idx="1">
+            <a:schemeClr val="accent1"/>
+          </a:effectRef>
+          <a:fontRef idx="minor">
+            <a:schemeClr val="tx1"/>
+          </a:fontRef>
+        </p:style>
+      </p:cxnSp>
+      <p:cxnSp>
+        <p:nvCxnSpPr>
+          <p:cNvPr id="40" name="Straight Arrow Connector 39"/>
+          <p:cNvCxnSpPr>
+            <a:stCxn id="47" idx="6"/>
+          </p:cNvCxnSpPr>
+          <p:nvPr/>
+        </p:nvCxnSpPr>
+        <p:spPr>
+          <a:xfrm>
+            <a:off x="8932988" y="14047372"/>
+            <a:ext cx="3031480" cy="0"/>
+          </a:xfrm>
+          <a:prstGeom prst="straightConnector1">
+            <a:avLst/>
+          </a:prstGeom>
+          <a:ln>
+            <a:tailEnd type="arrow"/>
+          </a:ln>
+        </p:spPr>
+        <p:style>
+          <a:lnRef idx="2">
+            <a:schemeClr val="accent1"/>
+          </a:lnRef>
+          <a:fillRef idx="0">
+            <a:schemeClr val="accent1"/>
+          </a:fillRef>
+          <a:effectRef idx="1">
+            <a:schemeClr val="accent1"/>
+          </a:effectRef>
+          <a:fontRef idx="minor">
+            <a:schemeClr val="tx1"/>
+          </a:fontRef>
+        </p:style>
+      </p:cxnSp>
+      <p:cxnSp>
+        <p:nvCxnSpPr>
+          <p:cNvPr id="49" name="Straight Connector 48"/>
+          <p:cNvCxnSpPr/>
+          <p:nvPr/>
+        </p:nvCxnSpPr>
+        <p:spPr>
+          <a:xfrm>
+            <a:off x="11942188" y="9464138"/>
+            <a:ext cx="0" cy="4583234"/>
+          </a:xfrm>
+          <a:prstGeom prst="line">
+            <a:avLst/>
+          </a:prstGeom>
+        </p:spPr>
+        <p:style>
+          <a:lnRef idx="2">
+            <a:schemeClr val="accent1"/>
+          </a:lnRef>
+          <a:fillRef idx="0">
+            <a:schemeClr val="accent1"/>
+          </a:fillRef>
+          <a:effectRef idx="1">
+            <a:schemeClr val="accent1"/>
+          </a:effectRef>
+          <a:fontRef idx="minor">
+            <a:schemeClr val="tx1"/>
+          </a:fontRef>
+        </p:style>
+      </p:cxnSp>
+      <p:sp>
+        <p:nvSpPr>
+          <p:cNvPr id="50" name="TextBox 49"/>
+          <p:cNvSpPr txBox="1"/>
+          <p:nvPr/>
+        </p:nvSpPr>
+        <p:spPr>
+          <a:xfrm>
+            <a:off x="1365664" y="12386926"/>
+            <a:ext cx="561271" cy="461665"/>
+          </a:xfrm>
+          <a:prstGeom prst="rect">
+            <a:avLst/>
+          </a:prstGeom>
+          <a:noFill/>
+        </p:spPr>
+        <p:txBody>
+          <a:bodyPr wrap="none" rtlCol="0">
+            <a:spAutoFit/>
+          </a:bodyPr>
+          <a:lstStyle/>
+          <a:p>
+            <a:r>
+              <a:rPr lang="en-US" dirty="0" smtClean="0"/>
+              <a:t>set</a:t>
+            </a:r>
+            <a:endParaRPr lang="en-US" dirty="0"/>
+          </a:p>
+        </p:txBody>
+      </p:sp>
     </p:spTree>
     <p:extLst>
       <p:ext uri="{BB962C8B-B14F-4D97-AF65-F5344CB8AC3E}">

--- a/state diagram/state diagram.pptx
+++ b/state diagram/state diagram.pptx
@@ -288,7 +288,7 @@
           <a:p>
             <a:fld id="{60C49D9A-7CB1-C04A-AC0C-A58ED6179FBA}" type="datetimeFigureOut">
               <a:rPr lang="en-US" smtClean="0"/>
-              <a:t>4/20/14</a:t>
+              <a:t>4/21/14</a:t>
             </a:fld>
             <a:endParaRPr lang="en-US"/>
           </a:p>
@@ -458,7 +458,7 @@
           <a:p>
             <a:fld id="{60C49D9A-7CB1-C04A-AC0C-A58ED6179FBA}" type="datetimeFigureOut">
               <a:rPr lang="en-US" smtClean="0"/>
-              <a:t>4/20/14</a:t>
+              <a:t>4/21/14</a:t>
             </a:fld>
             <a:endParaRPr lang="en-US"/>
           </a:p>
@@ -638,7 +638,7 @@
           <a:p>
             <a:fld id="{60C49D9A-7CB1-C04A-AC0C-A58ED6179FBA}" type="datetimeFigureOut">
               <a:rPr lang="en-US" smtClean="0"/>
-              <a:t>4/20/14</a:t>
+              <a:t>4/21/14</a:t>
             </a:fld>
             <a:endParaRPr lang="en-US"/>
           </a:p>
@@ -808,7 +808,7 @@
           <a:p>
             <a:fld id="{60C49D9A-7CB1-C04A-AC0C-A58ED6179FBA}" type="datetimeFigureOut">
               <a:rPr lang="en-US" smtClean="0"/>
-              <a:t>4/20/14</a:t>
+              <a:t>4/21/14</a:t>
             </a:fld>
             <a:endParaRPr lang="en-US"/>
           </a:p>
@@ -1054,7 +1054,7 @@
           <a:p>
             <a:fld id="{60C49D9A-7CB1-C04A-AC0C-A58ED6179FBA}" type="datetimeFigureOut">
               <a:rPr lang="en-US" smtClean="0"/>
-              <a:t>4/20/14</a:t>
+              <a:t>4/21/14</a:t>
             </a:fld>
             <a:endParaRPr lang="en-US"/>
           </a:p>
@@ -1342,7 +1342,7 @@
           <a:p>
             <a:fld id="{60C49D9A-7CB1-C04A-AC0C-A58ED6179FBA}" type="datetimeFigureOut">
               <a:rPr lang="en-US" smtClean="0"/>
-              <a:t>4/20/14</a:t>
+              <a:t>4/21/14</a:t>
             </a:fld>
             <a:endParaRPr lang="en-US"/>
           </a:p>
@@ -1769,7 +1769,7 @@
           <a:p>
             <a:fld id="{60C49D9A-7CB1-C04A-AC0C-A58ED6179FBA}" type="datetimeFigureOut">
               <a:rPr lang="en-US" smtClean="0"/>
-              <a:t>4/20/14</a:t>
+              <a:t>4/21/14</a:t>
             </a:fld>
             <a:endParaRPr lang="en-US"/>
           </a:p>
@@ -1887,7 +1887,7 @@
           <a:p>
             <a:fld id="{60C49D9A-7CB1-C04A-AC0C-A58ED6179FBA}" type="datetimeFigureOut">
               <a:rPr lang="en-US" smtClean="0"/>
-              <a:t>4/20/14</a:t>
+              <a:t>4/21/14</a:t>
             </a:fld>
             <a:endParaRPr lang="en-US"/>
           </a:p>
@@ -1982,7 +1982,7 @@
           <a:p>
             <a:fld id="{60C49D9A-7CB1-C04A-AC0C-A58ED6179FBA}" type="datetimeFigureOut">
               <a:rPr lang="en-US" smtClean="0"/>
-              <a:t>4/20/14</a:t>
+              <a:t>4/21/14</a:t>
             </a:fld>
             <a:endParaRPr lang="en-US"/>
           </a:p>
@@ -2259,7 +2259,7 @@
           <a:p>
             <a:fld id="{60C49D9A-7CB1-C04A-AC0C-A58ED6179FBA}" type="datetimeFigureOut">
               <a:rPr lang="en-US" smtClean="0"/>
-              <a:t>4/20/14</a:t>
+              <a:t>4/21/14</a:t>
             </a:fld>
             <a:endParaRPr lang="en-US"/>
           </a:p>
@@ -2512,7 +2512,7 @@
           <a:p>
             <a:fld id="{60C49D9A-7CB1-C04A-AC0C-A58ED6179FBA}" type="datetimeFigureOut">
               <a:rPr lang="en-US" smtClean="0"/>
-              <a:t>4/20/14</a:t>
+              <a:t>4/21/14</a:t>
             </a:fld>
             <a:endParaRPr lang="en-US"/>
           </a:p>
@@ -2725,7 +2725,7 @@
           <a:p>
             <a:fld id="{60C49D9A-7CB1-C04A-AC0C-A58ED6179FBA}" type="datetimeFigureOut">
               <a:rPr lang="en-US" smtClean="0"/>
-              <a:t>4/20/14</a:t>
+              <a:t>4/21/14</a:t>
             </a:fld>
             <a:endParaRPr lang="en-US"/>
           </a:p>
@@ -3196,11 +3196,6 @@
               </a:rPr>
               <a:t>9</a:t>
             </a:r>
-            <a:endParaRPr lang="en-US" sz="1800" dirty="0" smtClean="0">
-              <a:solidFill>
-                <a:schemeClr val="tx1"/>
-              </a:solidFill>
-            </a:endParaRPr>
           </a:p>
         </p:txBody>
       </p:sp>
@@ -3479,11 +3474,6 @@
               </a:rPr>
               <a:t>1</a:t>
             </a:r>
-            <a:endParaRPr lang="en-US" sz="1800" dirty="0" smtClean="0">
-              <a:solidFill>
-                <a:schemeClr val="tx1"/>
-              </a:solidFill>
-            </a:endParaRPr>
           </a:p>
         </p:txBody>
       </p:sp>
@@ -3531,11 +3521,6 @@
               </a:rPr>
               <a:t>2</a:t>
             </a:r>
-            <a:endParaRPr lang="en-US" sz="1800" dirty="0" smtClean="0">
-              <a:solidFill>
-                <a:schemeClr val="tx1"/>
-              </a:solidFill>
-            </a:endParaRPr>
           </a:p>
         </p:txBody>
       </p:sp>
@@ -3778,11 +3763,6 @@
               </a:rPr>
               <a:t>6</a:t>
             </a:r>
-            <a:endParaRPr lang="en-US" sz="1800" dirty="0" smtClean="0">
-              <a:solidFill>
-                <a:schemeClr val="tx1"/>
-              </a:solidFill>
-            </a:endParaRPr>
           </a:p>
         </p:txBody>
       </p:sp>
@@ -3830,11 +3810,6 @@
               </a:rPr>
               <a:t>7</a:t>
             </a:r>
-            <a:endParaRPr lang="en-US" sz="1800" dirty="0" smtClean="0">
-              <a:solidFill>
-                <a:schemeClr val="tx1"/>
-              </a:solidFill>
-            </a:endParaRPr>
           </a:p>
         </p:txBody>
       </p:sp>
@@ -4609,11 +4584,6 @@
               </a:rPr>
               <a:t>8</a:t>
             </a:r>
-            <a:endParaRPr lang="en-US" sz="1800" dirty="0" smtClean="0">
-              <a:solidFill>
-                <a:schemeClr val="tx1"/>
-              </a:solidFill>
-            </a:endParaRPr>
           </a:p>
         </p:txBody>
       </p:sp>
@@ -4661,11 +4631,6 @@
               </a:rPr>
               <a:t>13</a:t>
             </a:r>
-            <a:endParaRPr lang="en-US" sz="1800" dirty="0" smtClean="0">
-              <a:solidFill>
-                <a:schemeClr val="tx1"/>
-              </a:solidFill>
-            </a:endParaRPr>
           </a:p>
         </p:txBody>
       </p:sp>
@@ -4760,11 +4725,6 @@
               </a:rPr>
               <a:t>10</a:t>
             </a:r>
-            <a:endParaRPr lang="en-US" sz="1800" dirty="0" smtClean="0">
-              <a:solidFill>
-                <a:schemeClr val="tx1"/>
-              </a:solidFill>
-            </a:endParaRPr>
           </a:p>
         </p:txBody>
       </p:sp>
@@ -4812,11 +4772,6 @@
               </a:rPr>
               <a:t>14</a:t>
             </a:r>
-            <a:endParaRPr lang="en-US" sz="1800" dirty="0" smtClean="0">
-              <a:solidFill>
-                <a:schemeClr val="tx1"/>
-              </a:solidFill>
-            </a:endParaRPr>
           </a:p>
         </p:txBody>
       </p:sp>
@@ -4864,11 +4819,6 @@
               </a:rPr>
               <a:t>16</a:t>
             </a:r>
-            <a:endParaRPr lang="en-US" sz="1800" dirty="0" smtClean="0">
-              <a:solidFill>
-                <a:schemeClr val="tx1"/>
-              </a:solidFill>
-            </a:endParaRPr>
           </a:p>
         </p:txBody>
       </p:sp>
@@ -4963,11 +4913,6 @@
               </a:rPr>
               <a:t>24</a:t>
             </a:r>
-            <a:endParaRPr lang="en-US" sz="1800" dirty="0" smtClean="0">
-              <a:solidFill>
-                <a:schemeClr val="tx1"/>
-              </a:solidFill>
-            </a:endParaRPr>
           </a:p>
         </p:txBody>
       </p:sp>
@@ -5747,11 +5692,6 @@
               </a:rPr>
               <a:t>11</a:t>
             </a:r>
-            <a:endParaRPr lang="en-US" sz="1800" dirty="0" smtClean="0">
-              <a:solidFill>
-                <a:schemeClr val="tx1"/>
-              </a:solidFill>
-            </a:endParaRPr>
           </a:p>
         </p:txBody>
       </p:sp>
@@ -6226,7 +6166,7 @@
         </p:nvSpPr>
         <p:spPr>
           <a:xfrm>
-            <a:off x="3574844" y="10388600"/>
+            <a:off x="3502097" y="10387396"/>
             <a:ext cx="2610210" cy="338554"/>
           </a:xfrm>
           <a:prstGeom prst="rect">
@@ -6334,7 +6274,7 @@
         </p:nvSpPr>
         <p:spPr>
           <a:xfrm>
-            <a:off x="3608563" y="11257435"/>
+            <a:off x="3434990" y="11233937"/>
             <a:ext cx="2610210" cy="338554"/>
           </a:xfrm>
           <a:prstGeom prst="rect">
@@ -6474,11 +6414,6 @@
               </a:rPr>
               <a:t>17</a:t>
             </a:r>
-            <a:endParaRPr lang="en-US" sz="1800" dirty="0" smtClean="0">
-              <a:solidFill>
-                <a:schemeClr val="tx1"/>
-              </a:solidFill>
-            </a:endParaRPr>
           </a:p>
         </p:txBody>
       </p:sp>
@@ -6526,11 +6461,6 @@
               </a:rPr>
               <a:t>18</a:t>
             </a:r>
-            <a:endParaRPr lang="en-US" sz="1800" dirty="0" smtClean="0">
-              <a:solidFill>
-                <a:schemeClr val="tx1"/>
-              </a:solidFill>
-            </a:endParaRPr>
           </a:p>
         </p:txBody>
       </p:sp>
@@ -6625,11 +6555,6 @@
               </a:rPr>
               <a:t>19</a:t>
             </a:r>
-            <a:endParaRPr lang="en-US" sz="1800" dirty="0" smtClean="0">
-              <a:solidFill>
-                <a:schemeClr val="tx1"/>
-              </a:solidFill>
-            </a:endParaRPr>
           </a:p>
         </p:txBody>
       </p:sp>
@@ -8121,11 +8046,6 @@
               </a:rPr>
               <a:t>28</a:t>
             </a:r>
-            <a:endParaRPr lang="en-US" sz="1800" dirty="0" smtClean="0">
-              <a:solidFill>
-                <a:schemeClr val="tx1"/>
-              </a:solidFill>
-            </a:endParaRPr>
           </a:p>
         </p:txBody>
       </p:sp>
